--- a/classes/stats2020/Lab03.pptx
+++ b/classes/stats2020/Lab03.pptx
@@ -3372,7 +3372,15 @@
           <a:p>
             <a:r>
               <a:rPr lang="en-US" dirty="0"/>
-              <a:t>By the beginning of the next lab (Feb. 4), send what you have to </a:t>
+              <a:t>By the beginning of the next lab (Feb. </a:t>
+            </a:r>
+            <a:r>
+              <a:rPr lang="en-US"/>
+              <a:t>6), </a:t>
+            </a:r>
+            <a:r>
+              <a:rPr lang="en-US" dirty="0"/>
+              <a:t>send what you have to </a:t>
             </a:r>
             <a:r>
               <a:rPr lang="en-US" dirty="0">
